--- a/ppt 16-9/0199.半夜歌声.pptx
+++ b/ppt 16-9/0199.半夜歌声.pptx
@@ -129,7 +129,7 @@
           <p:cNvPr id="2" name="标题 1">
             <a:extLst>
               <a:ext uri="{FF2B5EF4-FFF2-40B4-BE49-F238E27FC236}">
-                <a16:creationId xmlns:a16="http://schemas.microsoft.com/office/drawing/2014/main" id="{108B3444-1877-F6E0-3DF9-9CEE48874A35}"/>
+                <a16:creationId xmlns:a16="http://schemas.microsoft.com/office/drawing/2014/main" id="{486F6905-9DFB-6983-1DFF-CA99D8204C08}"/>
               </a:ext>
             </a:extLst>
           </p:cNvPr>
@@ -166,7 +166,7 @@
           <p:cNvPr id="3" name="副标题 2">
             <a:extLst>
               <a:ext uri="{FF2B5EF4-FFF2-40B4-BE49-F238E27FC236}">
-                <a16:creationId xmlns:a16="http://schemas.microsoft.com/office/drawing/2014/main" id="{2CF00D85-253E-463E-87BC-B459C758E8AB}"/>
+                <a16:creationId xmlns:a16="http://schemas.microsoft.com/office/drawing/2014/main" id="{64E6485F-0427-49B0-886D-0A9D6FE2E792}"/>
               </a:ext>
             </a:extLst>
           </p:cNvPr>
@@ -236,7 +236,7 @@
           <p:cNvPr id="4" name="日期占位符 3">
             <a:extLst>
               <a:ext uri="{FF2B5EF4-FFF2-40B4-BE49-F238E27FC236}">
-                <a16:creationId xmlns:a16="http://schemas.microsoft.com/office/drawing/2014/main" id="{DDD42A2F-55F4-4E97-59E5-BDE9B509632A}"/>
+                <a16:creationId xmlns:a16="http://schemas.microsoft.com/office/drawing/2014/main" id="{5C2B41EA-B816-CF7D-B0F6-A24C5EA5D89E}"/>
               </a:ext>
             </a:extLst>
           </p:cNvPr>
@@ -252,7 +252,7 @@
           <a:bodyPr/>
           <a:lstStyle/>
           <a:p>
-            <a:fld id="{E8249235-8CD4-4DCC-B524-AF1356795621}" type="datetimeFigureOut">
+            <a:fld id="{93AD9D87-5DA5-4A7A-93A8-A6CD10F4873F}" type="datetimeFigureOut">
               <a:rPr lang="zh-CN" altLang="en-US" smtClean="0"/>
               <a:t>2024/3/10</a:t>
             </a:fld>
@@ -265,7 +265,7 @@
           <p:cNvPr id="5" name="页脚占位符 4">
             <a:extLst>
               <a:ext uri="{FF2B5EF4-FFF2-40B4-BE49-F238E27FC236}">
-                <a16:creationId xmlns:a16="http://schemas.microsoft.com/office/drawing/2014/main" id="{BD78B45A-7E41-C67F-ECE9-C3026E3D21CB}"/>
+                <a16:creationId xmlns:a16="http://schemas.microsoft.com/office/drawing/2014/main" id="{AE728B00-FA2B-C367-8DAB-07958A81DE59}"/>
               </a:ext>
             </a:extLst>
           </p:cNvPr>
@@ -290,7 +290,7 @@
           <p:cNvPr id="6" name="灯片编号占位符 5">
             <a:extLst>
               <a:ext uri="{FF2B5EF4-FFF2-40B4-BE49-F238E27FC236}">
-                <a16:creationId xmlns:a16="http://schemas.microsoft.com/office/drawing/2014/main" id="{749B38E1-0E9B-F98A-8358-238FADCEE10D}"/>
+                <a16:creationId xmlns:a16="http://schemas.microsoft.com/office/drawing/2014/main" id="{E588A957-895F-8CD8-FFBB-BE878DB4A4D1}"/>
               </a:ext>
             </a:extLst>
           </p:cNvPr>
@@ -306,7 +306,7 @@
           <a:bodyPr/>
           <a:lstStyle/>
           <a:p>
-            <a:fld id="{04C8F0BA-CC96-45BD-B28C-94149A793ECF}" type="slidenum">
+            <a:fld id="{6D8A4CD3-FB56-4C4F-A6F2-B814401E75ED}" type="slidenum">
               <a:rPr lang="zh-CN" altLang="en-US" smtClean="0"/>
               <a:t>‹#›</a:t>
             </a:fld>
@@ -317,7 +317,7 @@
     </p:spTree>
     <p:extLst>
       <p:ext uri="{BB962C8B-B14F-4D97-AF65-F5344CB8AC3E}">
-        <p14:creationId xmlns:p14="http://schemas.microsoft.com/office/powerpoint/2010/main" val="1737044088"/>
+        <p14:creationId xmlns:p14="http://schemas.microsoft.com/office/powerpoint/2010/main" val="3160008412"/>
       </p:ext>
     </p:extLst>
   </p:cSld>
@@ -349,7 +349,7 @@
           <p:cNvPr id="2" name="标题 1">
             <a:extLst>
               <a:ext uri="{FF2B5EF4-FFF2-40B4-BE49-F238E27FC236}">
-                <a16:creationId xmlns:a16="http://schemas.microsoft.com/office/drawing/2014/main" id="{0932DAC4-6946-E515-45EB-B2CA40834C5C}"/>
+                <a16:creationId xmlns:a16="http://schemas.microsoft.com/office/drawing/2014/main" id="{2B2AEFBE-14A3-6416-32A3-7C6D790F93BD}"/>
               </a:ext>
             </a:extLst>
           </p:cNvPr>
@@ -377,7 +377,7 @@
           <p:cNvPr id="3" name="竖排文字占位符 2">
             <a:extLst>
               <a:ext uri="{FF2B5EF4-FFF2-40B4-BE49-F238E27FC236}">
-                <a16:creationId xmlns:a16="http://schemas.microsoft.com/office/drawing/2014/main" id="{DA03E883-AA87-F894-A828-847A251C892A}"/>
+                <a16:creationId xmlns:a16="http://schemas.microsoft.com/office/drawing/2014/main" id="{EE1F7D5E-1B6C-C5DA-8362-062C423E1322}"/>
               </a:ext>
             </a:extLst>
           </p:cNvPr>
@@ -434,7 +434,7 @@
           <p:cNvPr id="4" name="日期占位符 3">
             <a:extLst>
               <a:ext uri="{FF2B5EF4-FFF2-40B4-BE49-F238E27FC236}">
-                <a16:creationId xmlns:a16="http://schemas.microsoft.com/office/drawing/2014/main" id="{F24F487A-1521-9EC8-FC1C-837A6562E367}"/>
+                <a16:creationId xmlns:a16="http://schemas.microsoft.com/office/drawing/2014/main" id="{CD8DB3F9-CB2E-C8E5-C0FC-769DA357A950}"/>
               </a:ext>
             </a:extLst>
           </p:cNvPr>
@@ -450,7 +450,7 @@
           <a:bodyPr/>
           <a:lstStyle/>
           <a:p>
-            <a:fld id="{E8249235-8CD4-4DCC-B524-AF1356795621}" type="datetimeFigureOut">
+            <a:fld id="{93AD9D87-5DA5-4A7A-93A8-A6CD10F4873F}" type="datetimeFigureOut">
               <a:rPr lang="zh-CN" altLang="en-US" smtClean="0"/>
               <a:t>2024/3/10</a:t>
             </a:fld>
@@ -463,7 +463,7 @@
           <p:cNvPr id="5" name="页脚占位符 4">
             <a:extLst>
               <a:ext uri="{FF2B5EF4-FFF2-40B4-BE49-F238E27FC236}">
-                <a16:creationId xmlns:a16="http://schemas.microsoft.com/office/drawing/2014/main" id="{DE1B660A-25A6-4F8D-3B29-D7D8C118ED49}"/>
+                <a16:creationId xmlns:a16="http://schemas.microsoft.com/office/drawing/2014/main" id="{4A008F23-B5B7-41F2-AF7C-5EBEAAD2DD08}"/>
               </a:ext>
             </a:extLst>
           </p:cNvPr>
@@ -488,7 +488,7 @@
           <p:cNvPr id="6" name="灯片编号占位符 5">
             <a:extLst>
               <a:ext uri="{FF2B5EF4-FFF2-40B4-BE49-F238E27FC236}">
-                <a16:creationId xmlns:a16="http://schemas.microsoft.com/office/drawing/2014/main" id="{10A30069-FDE3-2F12-CBBB-BEFF4F5A515D}"/>
+                <a16:creationId xmlns:a16="http://schemas.microsoft.com/office/drawing/2014/main" id="{12A9B091-9E02-7A22-6EBB-2B681F139CA1}"/>
               </a:ext>
             </a:extLst>
           </p:cNvPr>
@@ -504,7 +504,7 @@
           <a:bodyPr/>
           <a:lstStyle/>
           <a:p>
-            <a:fld id="{04C8F0BA-CC96-45BD-B28C-94149A793ECF}" type="slidenum">
+            <a:fld id="{6D8A4CD3-FB56-4C4F-A6F2-B814401E75ED}" type="slidenum">
               <a:rPr lang="zh-CN" altLang="en-US" smtClean="0"/>
               <a:t>‹#›</a:t>
             </a:fld>
@@ -515,7 +515,7 @@
     </p:spTree>
     <p:extLst>
       <p:ext uri="{BB962C8B-B14F-4D97-AF65-F5344CB8AC3E}">
-        <p14:creationId xmlns:p14="http://schemas.microsoft.com/office/powerpoint/2010/main" val="1965992488"/>
+        <p14:creationId xmlns:p14="http://schemas.microsoft.com/office/powerpoint/2010/main" val="250544579"/>
       </p:ext>
     </p:extLst>
   </p:cSld>
@@ -547,7 +547,7 @@
           <p:cNvPr id="2" name="竖排标题 1">
             <a:extLst>
               <a:ext uri="{FF2B5EF4-FFF2-40B4-BE49-F238E27FC236}">
-                <a16:creationId xmlns:a16="http://schemas.microsoft.com/office/drawing/2014/main" id="{966A3146-153D-46D5-DFF9-6286BABE5C0B}"/>
+                <a16:creationId xmlns:a16="http://schemas.microsoft.com/office/drawing/2014/main" id="{6984CA70-4ED4-CD95-27CE-16FB456E3F16}"/>
               </a:ext>
             </a:extLst>
           </p:cNvPr>
@@ -580,7 +580,7 @@
           <p:cNvPr id="3" name="竖排文字占位符 2">
             <a:extLst>
               <a:ext uri="{FF2B5EF4-FFF2-40B4-BE49-F238E27FC236}">
-                <a16:creationId xmlns:a16="http://schemas.microsoft.com/office/drawing/2014/main" id="{354050C7-4799-42C3-BAAE-848A70554043}"/>
+                <a16:creationId xmlns:a16="http://schemas.microsoft.com/office/drawing/2014/main" id="{20C8BEBD-BEF0-C124-54E0-8470A1C93884}"/>
               </a:ext>
             </a:extLst>
           </p:cNvPr>
@@ -642,7 +642,7 @@
           <p:cNvPr id="4" name="日期占位符 3">
             <a:extLst>
               <a:ext uri="{FF2B5EF4-FFF2-40B4-BE49-F238E27FC236}">
-                <a16:creationId xmlns:a16="http://schemas.microsoft.com/office/drawing/2014/main" id="{DF64E60E-9727-9FEC-8C49-A24A501D2993}"/>
+                <a16:creationId xmlns:a16="http://schemas.microsoft.com/office/drawing/2014/main" id="{2A78B160-5EE7-0EE7-4D51-DDFD211CA0F3}"/>
               </a:ext>
             </a:extLst>
           </p:cNvPr>
@@ -658,7 +658,7 @@
           <a:bodyPr/>
           <a:lstStyle/>
           <a:p>
-            <a:fld id="{E8249235-8CD4-4DCC-B524-AF1356795621}" type="datetimeFigureOut">
+            <a:fld id="{93AD9D87-5DA5-4A7A-93A8-A6CD10F4873F}" type="datetimeFigureOut">
               <a:rPr lang="zh-CN" altLang="en-US" smtClean="0"/>
               <a:t>2024/3/10</a:t>
             </a:fld>
@@ -671,7 +671,7 @@
           <p:cNvPr id="5" name="页脚占位符 4">
             <a:extLst>
               <a:ext uri="{FF2B5EF4-FFF2-40B4-BE49-F238E27FC236}">
-                <a16:creationId xmlns:a16="http://schemas.microsoft.com/office/drawing/2014/main" id="{9CE1D60C-CAA3-CE2E-0D92-F77F8B0260CF}"/>
+                <a16:creationId xmlns:a16="http://schemas.microsoft.com/office/drawing/2014/main" id="{A2C734FA-8541-EC73-4F5D-2FE61CB1582D}"/>
               </a:ext>
             </a:extLst>
           </p:cNvPr>
@@ -696,7 +696,7 @@
           <p:cNvPr id="6" name="灯片编号占位符 5">
             <a:extLst>
               <a:ext uri="{FF2B5EF4-FFF2-40B4-BE49-F238E27FC236}">
-                <a16:creationId xmlns:a16="http://schemas.microsoft.com/office/drawing/2014/main" id="{E2B1A670-D274-CF1F-22E8-848316E0C751}"/>
+                <a16:creationId xmlns:a16="http://schemas.microsoft.com/office/drawing/2014/main" id="{D9C21466-A3B1-F8A0-C22D-C392D15A33AF}"/>
               </a:ext>
             </a:extLst>
           </p:cNvPr>
@@ -712,7 +712,7 @@
           <a:bodyPr/>
           <a:lstStyle/>
           <a:p>
-            <a:fld id="{04C8F0BA-CC96-45BD-B28C-94149A793ECF}" type="slidenum">
+            <a:fld id="{6D8A4CD3-FB56-4C4F-A6F2-B814401E75ED}" type="slidenum">
               <a:rPr lang="zh-CN" altLang="en-US" smtClean="0"/>
               <a:t>‹#›</a:t>
             </a:fld>
@@ -723,7 +723,7 @@
     </p:spTree>
     <p:extLst>
       <p:ext uri="{BB962C8B-B14F-4D97-AF65-F5344CB8AC3E}">
-        <p14:creationId xmlns:p14="http://schemas.microsoft.com/office/powerpoint/2010/main" val="3525407773"/>
+        <p14:creationId xmlns:p14="http://schemas.microsoft.com/office/powerpoint/2010/main" val="43008875"/>
       </p:ext>
     </p:extLst>
   </p:cSld>
@@ -755,7 +755,7 @@
           <p:cNvPr id="2" name="标题 1">
             <a:extLst>
               <a:ext uri="{FF2B5EF4-FFF2-40B4-BE49-F238E27FC236}">
-                <a16:creationId xmlns:a16="http://schemas.microsoft.com/office/drawing/2014/main" id="{A21A83DC-C29C-6B43-B5B0-08A332FDFE0E}"/>
+                <a16:creationId xmlns:a16="http://schemas.microsoft.com/office/drawing/2014/main" id="{70CBF50C-4D23-0EC8-8484-5FCEA5501A09}"/>
               </a:ext>
             </a:extLst>
           </p:cNvPr>
@@ -783,7 +783,7 @@
           <p:cNvPr id="3" name="内容占位符 2">
             <a:extLst>
               <a:ext uri="{FF2B5EF4-FFF2-40B4-BE49-F238E27FC236}">
-                <a16:creationId xmlns:a16="http://schemas.microsoft.com/office/drawing/2014/main" id="{1A52D882-6793-5693-6357-C5B99BEF004E}"/>
+                <a16:creationId xmlns:a16="http://schemas.microsoft.com/office/drawing/2014/main" id="{07D91398-D43F-27DC-2588-311DB94C1AEA}"/>
               </a:ext>
             </a:extLst>
           </p:cNvPr>
@@ -840,7 +840,7 @@
           <p:cNvPr id="4" name="日期占位符 3">
             <a:extLst>
               <a:ext uri="{FF2B5EF4-FFF2-40B4-BE49-F238E27FC236}">
-                <a16:creationId xmlns:a16="http://schemas.microsoft.com/office/drawing/2014/main" id="{C25C5C91-48AA-2909-7D9D-BF1D48B03633}"/>
+                <a16:creationId xmlns:a16="http://schemas.microsoft.com/office/drawing/2014/main" id="{3EA52ABB-C5D3-9610-A9CA-3373DA0BFF80}"/>
               </a:ext>
             </a:extLst>
           </p:cNvPr>
@@ -856,7 +856,7 @@
           <a:bodyPr/>
           <a:lstStyle/>
           <a:p>
-            <a:fld id="{E8249235-8CD4-4DCC-B524-AF1356795621}" type="datetimeFigureOut">
+            <a:fld id="{93AD9D87-5DA5-4A7A-93A8-A6CD10F4873F}" type="datetimeFigureOut">
               <a:rPr lang="zh-CN" altLang="en-US" smtClean="0"/>
               <a:t>2024/3/10</a:t>
             </a:fld>
@@ -869,7 +869,7 @@
           <p:cNvPr id="5" name="页脚占位符 4">
             <a:extLst>
               <a:ext uri="{FF2B5EF4-FFF2-40B4-BE49-F238E27FC236}">
-                <a16:creationId xmlns:a16="http://schemas.microsoft.com/office/drawing/2014/main" id="{1C00227D-BB19-81E5-8732-DFAD44C53D0F}"/>
+                <a16:creationId xmlns:a16="http://schemas.microsoft.com/office/drawing/2014/main" id="{1B7566BC-57FE-2352-6C77-14D391B26005}"/>
               </a:ext>
             </a:extLst>
           </p:cNvPr>
@@ -894,7 +894,7 @@
           <p:cNvPr id="6" name="灯片编号占位符 5">
             <a:extLst>
               <a:ext uri="{FF2B5EF4-FFF2-40B4-BE49-F238E27FC236}">
-                <a16:creationId xmlns:a16="http://schemas.microsoft.com/office/drawing/2014/main" id="{34EF4B05-55A4-2ECC-B47F-5196B26FC82A}"/>
+                <a16:creationId xmlns:a16="http://schemas.microsoft.com/office/drawing/2014/main" id="{ED693A8B-B9D7-7D42-EE7D-41ACB65BAEF1}"/>
               </a:ext>
             </a:extLst>
           </p:cNvPr>
@@ -910,7 +910,7 @@
           <a:bodyPr/>
           <a:lstStyle/>
           <a:p>
-            <a:fld id="{04C8F0BA-CC96-45BD-B28C-94149A793ECF}" type="slidenum">
+            <a:fld id="{6D8A4CD3-FB56-4C4F-A6F2-B814401E75ED}" type="slidenum">
               <a:rPr lang="zh-CN" altLang="en-US" smtClean="0"/>
               <a:t>‹#›</a:t>
             </a:fld>
@@ -921,7 +921,7 @@
     </p:spTree>
     <p:extLst>
       <p:ext uri="{BB962C8B-B14F-4D97-AF65-F5344CB8AC3E}">
-        <p14:creationId xmlns:p14="http://schemas.microsoft.com/office/powerpoint/2010/main" val="2257714475"/>
+        <p14:creationId xmlns:p14="http://schemas.microsoft.com/office/powerpoint/2010/main" val="747518898"/>
       </p:ext>
     </p:extLst>
   </p:cSld>
@@ -953,7 +953,7 @@
           <p:cNvPr id="2" name="标题 1">
             <a:extLst>
               <a:ext uri="{FF2B5EF4-FFF2-40B4-BE49-F238E27FC236}">
-                <a16:creationId xmlns:a16="http://schemas.microsoft.com/office/drawing/2014/main" id="{945FEC5D-6CA5-25F4-9C61-C31850A156F8}"/>
+                <a16:creationId xmlns:a16="http://schemas.microsoft.com/office/drawing/2014/main" id="{22E6D011-3322-2DD6-822C-7BC3651DF97B}"/>
               </a:ext>
             </a:extLst>
           </p:cNvPr>
@@ -990,7 +990,7 @@
           <p:cNvPr id="3" name="文本占位符 2">
             <a:extLst>
               <a:ext uri="{FF2B5EF4-FFF2-40B4-BE49-F238E27FC236}">
-                <a16:creationId xmlns:a16="http://schemas.microsoft.com/office/drawing/2014/main" id="{04D94572-9658-4083-BA3A-6C9D07866046}"/>
+                <a16:creationId xmlns:a16="http://schemas.microsoft.com/office/drawing/2014/main" id="{ED45015A-CFC8-1584-8774-FFFC53F54327}"/>
               </a:ext>
             </a:extLst>
           </p:cNvPr>
@@ -1115,7 +1115,7 @@
           <p:cNvPr id="4" name="日期占位符 3">
             <a:extLst>
               <a:ext uri="{FF2B5EF4-FFF2-40B4-BE49-F238E27FC236}">
-                <a16:creationId xmlns:a16="http://schemas.microsoft.com/office/drawing/2014/main" id="{3E121E6C-0534-5137-4F9D-E578F7016BC9}"/>
+                <a16:creationId xmlns:a16="http://schemas.microsoft.com/office/drawing/2014/main" id="{ECDF70D6-8618-FC4B-D39D-A2839316141D}"/>
               </a:ext>
             </a:extLst>
           </p:cNvPr>
@@ -1131,7 +1131,7 @@
           <a:bodyPr/>
           <a:lstStyle/>
           <a:p>
-            <a:fld id="{E8249235-8CD4-4DCC-B524-AF1356795621}" type="datetimeFigureOut">
+            <a:fld id="{93AD9D87-5DA5-4A7A-93A8-A6CD10F4873F}" type="datetimeFigureOut">
               <a:rPr lang="zh-CN" altLang="en-US" smtClean="0"/>
               <a:t>2024/3/10</a:t>
             </a:fld>
@@ -1144,7 +1144,7 @@
           <p:cNvPr id="5" name="页脚占位符 4">
             <a:extLst>
               <a:ext uri="{FF2B5EF4-FFF2-40B4-BE49-F238E27FC236}">
-                <a16:creationId xmlns:a16="http://schemas.microsoft.com/office/drawing/2014/main" id="{3614555C-E00D-52CF-F513-C8F82E1E5185}"/>
+                <a16:creationId xmlns:a16="http://schemas.microsoft.com/office/drawing/2014/main" id="{9E6534D1-03F6-5C18-FA1E-634F9D127516}"/>
               </a:ext>
             </a:extLst>
           </p:cNvPr>
@@ -1169,7 +1169,7 @@
           <p:cNvPr id="6" name="灯片编号占位符 5">
             <a:extLst>
               <a:ext uri="{FF2B5EF4-FFF2-40B4-BE49-F238E27FC236}">
-                <a16:creationId xmlns:a16="http://schemas.microsoft.com/office/drawing/2014/main" id="{4402F2BD-10D2-CFDE-1D8E-D5698A33250D}"/>
+                <a16:creationId xmlns:a16="http://schemas.microsoft.com/office/drawing/2014/main" id="{5783782F-FCBC-E94B-97B0-9DB84CB7DF20}"/>
               </a:ext>
             </a:extLst>
           </p:cNvPr>
@@ -1185,7 +1185,7 @@
           <a:bodyPr/>
           <a:lstStyle/>
           <a:p>
-            <a:fld id="{04C8F0BA-CC96-45BD-B28C-94149A793ECF}" type="slidenum">
+            <a:fld id="{6D8A4CD3-FB56-4C4F-A6F2-B814401E75ED}" type="slidenum">
               <a:rPr lang="zh-CN" altLang="en-US" smtClean="0"/>
               <a:t>‹#›</a:t>
             </a:fld>
@@ -1196,7 +1196,7 @@
     </p:spTree>
     <p:extLst>
       <p:ext uri="{BB962C8B-B14F-4D97-AF65-F5344CB8AC3E}">
-        <p14:creationId xmlns:p14="http://schemas.microsoft.com/office/powerpoint/2010/main" val="2277460303"/>
+        <p14:creationId xmlns:p14="http://schemas.microsoft.com/office/powerpoint/2010/main" val="1991862356"/>
       </p:ext>
     </p:extLst>
   </p:cSld>
@@ -1228,7 +1228,7 @@
           <p:cNvPr id="2" name="标题 1">
             <a:extLst>
               <a:ext uri="{FF2B5EF4-FFF2-40B4-BE49-F238E27FC236}">
-                <a16:creationId xmlns:a16="http://schemas.microsoft.com/office/drawing/2014/main" id="{342F46D6-48B7-3044-2F52-3BEF96F97B97}"/>
+                <a16:creationId xmlns:a16="http://schemas.microsoft.com/office/drawing/2014/main" id="{9AC14BD7-BE31-A714-422C-B006720B1F5E}"/>
               </a:ext>
             </a:extLst>
           </p:cNvPr>
@@ -1256,7 +1256,7 @@
           <p:cNvPr id="3" name="内容占位符 2">
             <a:extLst>
               <a:ext uri="{FF2B5EF4-FFF2-40B4-BE49-F238E27FC236}">
-                <a16:creationId xmlns:a16="http://schemas.microsoft.com/office/drawing/2014/main" id="{64C4B10C-6D30-9F7A-AC85-CA8772DEDF5E}"/>
+                <a16:creationId xmlns:a16="http://schemas.microsoft.com/office/drawing/2014/main" id="{57AD10E2-45B1-0B6A-0385-B15D9BC0A7DB}"/>
               </a:ext>
             </a:extLst>
           </p:cNvPr>
@@ -1318,7 +1318,7 @@
           <p:cNvPr id="4" name="内容占位符 3">
             <a:extLst>
               <a:ext uri="{FF2B5EF4-FFF2-40B4-BE49-F238E27FC236}">
-                <a16:creationId xmlns:a16="http://schemas.microsoft.com/office/drawing/2014/main" id="{9B95FF86-25E3-CF8A-47BC-2EC15B764B62}"/>
+                <a16:creationId xmlns:a16="http://schemas.microsoft.com/office/drawing/2014/main" id="{ED964580-7D35-6C9B-83ED-40B365DD3304}"/>
               </a:ext>
             </a:extLst>
           </p:cNvPr>
@@ -1380,7 +1380,7 @@
           <p:cNvPr id="5" name="日期占位符 4">
             <a:extLst>
               <a:ext uri="{FF2B5EF4-FFF2-40B4-BE49-F238E27FC236}">
-                <a16:creationId xmlns:a16="http://schemas.microsoft.com/office/drawing/2014/main" id="{E66C3866-86B1-5715-8D7D-7DB7C526B9C4}"/>
+                <a16:creationId xmlns:a16="http://schemas.microsoft.com/office/drawing/2014/main" id="{A0E2EA92-C52F-BF3F-DDED-B90FDE9449D7}"/>
               </a:ext>
             </a:extLst>
           </p:cNvPr>
@@ -1396,7 +1396,7 @@
           <a:bodyPr/>
           <a:lstStyle/>
           <a:p>
-            <a:fld id="{E8249235-8CD4-4DCC-B524-AF1356795621}" type="datetimeFigureOut">
+            <a:fld id="{93AD9D87-5DA5-4A7A-93A8-A6CD10F4873F}" type="datetimeFigureOut">
               <a:rPr lang="zh-CN" altLang="en-US" smtClean="0"/>
               <a:t>2024/3/10</a:t>
             </a:fld>
@@ -1409,7 +1409,7 @@
           <p:cNvPr id="6" name="页脚占位符 5">
             <a:extLst>
               <a:ext uri="{FF2B5EF4-FFF2-40B4-BE49-F238E27FC236}">
-                <a16:creationId xmlns:a16="http://schemas.microsoft.com/office/drawing/2014/main" id="{0FC2DD11-B715-9113-A3FD-3C22C50B3AD9}"/>
+                <a16:creationId xmlns:a16="http://schemas.microsoft.com/office/drawing/2014/main" id="{CAE04B5C-43E7-CD3C-CE7A-6D173E694C89}"/>
               </a:ext>
             </a:extLst>
           </p:cNvPr>
@@ -1434,7 +1434,7 @@
           <p:cNvPr id="7" name="灯片编号占位符 6">
             <a:extLst>
               <a:ext uri="{FF2B5EF4-FFF2-40B4-BE49-F238E27FC236}">
-                <a16:creationId xmlns:a16="http://schemas.microsoft.com/office/drawing/2014/main" id="{2BC0C6AD-C508-2B92-8106-55C1F699349F}"/>
+                <a16:creationId xmlns:a16="http://schemas.microsoft.com/office/drawing/2014/main" id="{0AF7E81E-6FF2-D53A-3D00-B476EACF414E}"/>
               </a:ext>
             </a:extLst>
           </p:cNvPr>
@@ -1450,7 +1450,7 @@
           <a:bodyPr/>
           <a:lstStyle/>
           <a:p>
-            <a:fld id="{04C8F0BA-CC96-45BD-B28C-94149A793ECF}" type="slidenum">
+            <a:fld id="{6D8A4CD3-FB56-4C4F-A6F2-B814401E75ED}" type="slidenum">
               <a:rPr lang="zh-CN" altLang="en-US" smtClean="0"/>
               <a:t>‹#›</a:t>
             </a:fld>
@@ -1461,7 +1461,7 @@
     </p:spTree>
     <p:extLst>
       <p:ext uri="{BB962C8B-B14F-4D97-AF65-F5344CB8AC3E}">
-        <p14:creationId xmlns:p14="http://schemas.microsoft.com/office/powerpoint/2010/main" val="1929655425"/>
+        <p14:creationId xmlns:p14="http://schemas.microsoft.com/office/powerpoint/2010/main" val="3289779262"/>
       </p:ext>
     </p:extLst>
   </p:cSld>
@@ -1493,7 +1493,7 @@
           <p:cNvPr id="2" name="标题 1">
             <a:extLst>
               <a:ext uri="{FF2B5EF4-FFF2-40B4-BE49-F238E27FC236}">
-                <a16:creationId xmlns:a16="http://schemas.microsoft.com/office/drawing/2014/main" id="{1FCA323F-F97A-CDB5-FDA8-0F2BD9C86B12}"/>
+                <a16:creationId xmlns:a16="http://schemas.microsoft.com/office/drawing/2014/main" id="{C1280FDD-BABA-B710-EEE7-B963353A9F51}"/>
               </a:ext>
             </a:extLst>
           </p:cNvPr>
@@ -1526,7 +1526,7 @@
           <p:cNvPr id="3" name="文本占位符 2">
             <a:extLst>
               <a:ext uri="{FF2B5EF4-FFF2-40B4-BE49-F238E27FC236}">
-                <a16:creationId xmlns:a16="http://schemas.microsoft.com/office/drawing/2014/main" id="{D78CFE70-3530-E9B5-558E-4481EB55759D}"/>
+                <a16:creationId xmlns:a16="http://schemas.microsoft.com/office/drawing/2014/main" id="{CFDE8A8A-9A1A-E3DC-5D76-FA31B2215DA5}"/>
               </a:ext>
             </a:extLst>
           </p:cNvPr>
@@ -1597,7 +1597,7 @@
           <p:cNvPr id="4" name="内容占位符 3">
             <a:extLst>
               <a:ext uri="{FF2B5EF4-FFF2-40B4-BE49-F238E27FC236}">
-                <a16:creationId xmlns:a16="http://schemas.microsoft.com/office/drawing/2014/main" id="{9673ECEA-3128-6466-12E3-6E019D363984}"/>
+                <a16:creationId xmlns:a16="http://schemas.microsoft.com/office/drawing/2014/main" id="{E20ECB47-DB55-95A4-7BA2-405603A60421}"/>
               </a:ext>
             </a:extLst>
           </p:cNvPr>
@@ -1659,7 +1659,7 @@
           <p:cNvPr id="5" name="文本占位符 4">
             <a:extLst>
               <a:ext uri="{FF2B5EF4-FFF2-40B4-BE49-F238E27FC236}">
-                <a16:creationId xmlns:a16="http://schemas.microsoft.com/office/drawing/2014/main" id="{5585A624-7B4C-64C0-32A2-7565A7308010}"/>
+                <a16:creationId xmlns:a16="http://schemas.microsoft.com/office/drawing/2014/main" id="{BC2A1747-19A4-1662-41A7-98B02A90C781}"/>
               </a:ext>
             </a:extLst>
           </p:cNvPr>
@@ -1730,7 +1730,7 @@
           <p:cNvPr id="6" name="内容占位符 5">
             <a:extLst>
               <a:ext uri="{FF2B5EF4-FFF2-40B4-BE49-F238E27FC236}">
-                <a16:creationId xmlns:a16="http://schemas.microsoft.com/office/drawing/2014/main" id="{CE9A41E1-9A0D-797B-E557-F5F23B77FC34}"/>
+                <a16:creationId xmlns:a16="http://schemas.microsoft.com/office/drawing/2014/main" id="{77723CB8-8FF1-4E16-31F9-C76FB5FC8A41}"/>
               </a:ext>
             </a:extLst>
           </p:cNvPr>
@@ -1792,7 +1792,7 @@
           <p:cNvPr id="7" name="日期占位符 6">
             <a:extLst>
               <a:ext uri="{FF2B5EF4-FFF2-40B4-BE49-F238E27FC236}">
-                <a16:creationId xmlns:a16="http://schemas.microsoft.com/office/drawing/2014/main" id="{FC5E4717-1E3D-5421-5CA2-B150EEAC555C}"/>
+                <a16:creationId xmlns:a16="http://schemas.microsoft.com/office/drawing/2014/main" id="{3D604F66-9CF0-9BB4-570D-BD615F36FA7F}"/>
               </a:ext>
             </a:extLst>
           </p:cNvPr>
@@ -1808,7 +1808,7 @@
           <a:bodyPr/>
           <a:lstStyle/>
           <a:p>
-            <a:fld id="{E8249235-8CD4-4DCC-B524-AF1356795621}" type="datetimeFigureOut">
+            <a:fld id="{93AD9D87-5DA5-4A7A-93A8-A6CD10F4873F}" type="datetimeFigureOut">
               <a:rPr lang="zh-CN" altLang="en-US" smtClean="0"/>
               <a:t>2024/3/10</a:t>
             </a:fld>
@@ -1821,7 +1821,7 @@
           <p:cNvPr id="8" name="页脚占位符 7">
             <a:extLst>
               <a:ext uri="{FF2B5EF4-FFF2-40B4-BE49-F238E27FC236}">
-                <a16:creationId xmlns:a16="http://schemas.microsoft.com/office/drawing/2014/main" id="{0E939BE7-FFB1-096D-4819-6B80467F89AF}"/>
+                <a16:creationId xmlns:a16="http://schemas.microsoft.com/office/drawing/2014/main" id="{C25BB4C0-B566-0121-4404-80AC4DC973D9}"/>
               </a:ext>
             </a:extLst>
           </p:cNvPr>
@@ -1846,7 +1846,7 @@
           <p:cNvPr id="9" name="灯片编号占位符 8">
             <a:extLst>
               <a:ext uri="{FF2B5EF4-FFF2-40B4-BE49-F238E27FC236}">
-                <a16:creationId xmlns:a16="http://schemas.microsoft.com/office/drawing/2014/main" id="{18AFD59E-B5A1-3141-67F0-97CBACFDD520}"/>
+                <a16:creationId xmlns:a16="http://schemas.microsoft.com/office/drawing/2014/main" id="{0C10224D-24B4-D972-71A8-9DBA5C824F67}"/>
               </a:ext>
             </a:extLst>
           </p:cNvPr>
@@ -1862,7 +1862,7 @@
           <a:bodyPr/>
           <a:lstStyle/>
           <a:p>
-            <a:fld id="{04C8F0BA-CC96-45BD-B28C-94149A793ECF}" type="slidenum">
+            <a:fld id="{6D8A4CD3-FB56-4C4F-A6F2-B814401E75ED}" type="slidenum">
               <a:rPr lang="zh-CN" altLang="en-US" smtClean="0"/>
               <a:t>‹#›</a:t>
             </a:fld>
@@ -1873,7 +1873,7 @@
     </p:spTree>
     <p:extLst>
       <p:ext uri="{BB962C8B-B14F-4D97-AF65-F5344CB8AC3E}">
-        <p14:creationId xmlns:p14="http://schemas.microsoft.com/office/powerpoint/2010/main" val="2267345646"/>
+        <p14:creationId xmlns:p14="http://schemas.microsoft.com/office/powerpoint/2010/main" val="3702469549"/>
       </p:ext>
     </p:extLst>
   </p:cSld>
@@ -1905,7 +1905,7 @@
           <p:cNvPr id="2" name="标题 1">
             <a:extLst>
               <a:ext uri="{FF2B5EF4-FFF2-40B4-BE49-F238E27FC236}">
-                <a16:creationId xmlns:a16="http://schemas.microsoft.com/office/drawing/2014/main" id="{96E71551-ABFE-E275-3D53-F50F4777E495}"/>
+                <a16:creationId xmlns:a16="http://schemas.microsoft.com/office/drawing/2014/main" id="{BC3410B3-77AD-47EB-167C-74FC5871CBE2}"/>
               </a:ext>
             </a:extLst>
           </p:cNvPr>
@@ -1933,7 +1933,7 @@
           <p:cNvPr id="3" name="日期占位符 2">
             <a:extLst>
               <a:ext uri="{FF2B5EF4-FFF2-40B4-BE49-F238E27FC236}">
-                <a16:creationId xmlns:a16="http://schemas.microsoft.com/office/drawing/2014/main" id="{A4387077-38F4-03A5-B756-89B0D154FE98}"/>
+                <a16:creationId xmlns:a16="http://schemas.microsoft.com/office/drawing/2014/main" id="{3BBB806B-5DDA-AF6F-23AE-A7FEF371AD95}"/>
               </a:ext>
             </a:extLst>
           </p:cNvPr>
@@ -1949,7 +1949,7 @@
           <a:bodyPr/>
           <a:lstStyle/>
           <a:p>
-            <a:fld id="{E8249235-8CD4-4DCC-B524-AF1356795621}" type="datetimeFigureOut">
+            <a:fld id="{93AD9D87-5DA5-4A7A-93A8-A6CD10F4873F}" type="datetimeFigureOut">
               <a:rPr lang="zh-CN" altLang="en-US" smtClean="0"/>
               <a:t>2024/3/10</a:t>
             </a:fld>
@@ -1962,7 +1962,7 @@
           <p:cNvPr id="4" name="页脚占位符 3">
             <a:extLst>
               <a:ext uri="{FF2B5EF4-FFF2-40B4-BE49-F238E27FC236}">
-                <a16:creationId xmlns:a16="http://schemas.microsoft.com/office/drawing/2014/main" id="{285DA49F-C60A-E475-3ABC-10E8F967B2CA}"/>
+                <a16:creationId xmlns:a16="http://schemas.microsoft.com/office/drawing/2014/main" id="{267E13D1-1773-7E53-013A-DEFD454EAFB1}"/>
               </a:ext>
             </a:extLst>
           </p:cNvPr>
@@ -1987,7 +1987,7 @@
           <p:cNvPr id="5" name="灯片编号占位符 4">
             <a:extLst>
               <a:ext uri="{FF2B5EF4-FFF2-40B4-BE49-F238E27FC236}">
-                <a16:creationId xmlns:a16="http://schemas.microsoft.com/office/drawing/2014/main" id="{3D1D671B-3FD6-363E-9D48-76E831692A6B}"/>
+                <a16:creationId xmlns:a16="http://schemas.microsoft.com/office/drawing/2014/main" id="{DC6218FE-5C36-A08A-75FF-EE373E59FA0C}"/>
               </a:ext>
             </a:extLst>
           </p:cNvPr>
@@ -2003,7 +2003,7 @@
           <a:bodyPr/>
           <a:lstStyle/>
           <a:p>
-            <a:fld id="{04C8F0BA-CC96-45BD-B28C-94149A793ECF}" type="slidenum">
+            <a:fld id="{6D8A4CD3-FB56-4C4F-A6F2-B814401E75ED}" type="slidenum">
               <a:rPr lang="zh-CN" altLang="en-US" smtClean="0"/>
               <a:t>‹#›</a:t>
             </a:fld>
@@ -2014,7 +2014,7 @@
     </p:spTree>
     <p:extLst>
       <p:ext uri="{BB962C8B-B14F-4D97-AF65-F5344CB8AC3E}">
-        <p14:creationId xmlns:p14="http://schemas.microsoft.com/office/powerpoint/2010/main" val="2601633474"/>
+        <p14:creationId xmlns:p14="http://schemas.microsoft.com/office/powerpoint/2010/main" val="3322625045"/>
       </p:ext>
     </p:extLst>
   </p:cSld>
@@ -2046,7 +2046,7 @@
           <p:cNvPr id="2" name="日期占位符 1">
             <a:extLst>
               <a:ext uri="{FF2B5EF4-FFF2-40B4-BE49-F238E27FC236}">
-                <a16:creationId xmlns:a16="http://schemas.microsoft.com/office/drawing/2014/main" id="{A78723EF-814D-5C4B-12C6-58033E2F5118}"/>
+                <a16:creationId xmlns:a16="http://schemas.microsoft.com/office/drawing/2014/main" id="{B02C099A-F497-0B98-34E9-7A3FB6F03079}"/>
               </a:ext>
             </a:extLst>
           </p:cNvPr>
@@ -2062,7 +2062,7 @@
           <a:bodyPr/>
           <a:lstStyle/>
           <a:p>
-            <a:fld id="{E8249235-8CD4-4DCC-B524-AF1356795621}" type="datetimeFigureOut">
+            <a:fld id="{93AD9D87-5DA5-4A7A-93A8-A6CD10F4873F}" type="datetimeFigureOut">
               <a:rPr lang="zh-CN" altLang="en-US" smtClean="0"/>
               <a:t>2024/3/10</a:t>
             </a:fld>
@@ -2075,7 +2075,7 @@
           <p:cNvPr id="3" name="页脚占位符 2">
             <a:extLst>
               <a:ext uri="{FF2B5EF4-FFF2-40B4-BE49-F238E27FC236}">
-                <a16:creationId xmlns:a16="http://schemas.microsoft.com/office/drawing/2014/main" id="{09D8A7D7-608A-E792-9C40-09E38DF2F26B}"/>
+                <a16:creationId xmlns:a16="http://schemas.microsoft.com/office/drawing/2014/main" id="{9CFC065A-09FB-96CC-3874-F1D99E37CD6F}"/>
               </a:ext>
             </a:extLst>
           </p:cNvPr>
@@ -2100,7 +2100,7 @@
           <p:cNvPr id="4" name="灯片编号占位符 3">
             <a:extLst>
               <a:ext uri="{FF2B5EF4-FFF2-40B4-BE49-F238E27FC236}">
-                <a16:creationId xmlns:a16="http://schemas.microsoft.com/office/drawing/2014/main" id="{03EE78F8-E124-EB16-D7EC-9F1FFCDC9189}"/>
+                <a16:creationId xmlns:a16="http://schemas.microsoft.com/office/drawing/2014/main" id="{DD59A769-145F-6636-55F1-A0F686D59ACA}"/>
               </a:ext>
             </a:extLst>
           </p:cNvPr>
@@ -2116,7 +2116,7 @@
           <a:bodyPr/>
           <a:lstStyle/>
           <a:p>
-            <a:fld id="{04C8F0BA-CC96-45BD-B28C-94149A793ECF}" type="slidenum">
+            <a:fld id="{6D8A4CD3-FB56-4C4F-A6F2-B814401E75ED}" type="slidenum">
               <a:rPr lang="zh-CN" altLang="en-US" smtClean="0"/>
               <a:t>‹#›</a:t>
             </a:fld>
@@ -2127,7 +2127,7 @@
     </p:spTree>
     <p:extLst>
       <p:ext uri="{BB962C8B-B14F-4D97-AF65-F5344CB8AC3E}">
-        <p14:creationId xmlns:p14="http://schemas.microsoft.com/office/powerpoint/2010/main" val="317913385"/>
+        <p14:creationId xmlns:p14="http://schemas.microsoft.com/office/powerpoint/2010/main" val="3980286426"/>
       </p:ext>
     </p:extLst>
   </p:cSld>
@@ -2159,7 +2159,7 @@
           <p:cNvPr id="2" name="标题 1">
             <a:extLst>
               <a:ext uri="{FF2B5EF4-FFF2-40B4-BE49-F238E27FC236}">
-                <a16:creationId xmlns:a16="http://schemas.microsoft.com/office/drawing/2014/main" id="{CE030B12-13ED-0F8F-C000-7279B530467C}"/>
+                <a16:creationId xmlns:a16="http://schemas.microsoft.com/office/drawing/2014/main" id="{CBC301C3-1C64-5EB0-0002-AC2BBD2B999A}"/>
               </a:ext>
             </a:extLst>
           </p:cNvPr>
@@ -2196,7 +2196,7 @@
           <p:cNvPr id="3" name="内容占位符 2">
             <a:extLst>
               <a:ext uri="{FF2B5EF4-FFF2-40B4-BE49-F238E27FC236}">
-                <a16:creationId xmlns:a16="http://schemas.microsoft.com/office/drawing/2014/main" id="{3815C562-EBD5-AF7E-ADEE-E2AF1D8747E4}"/>
+                <a16:creationId xmlns:a16="http://schemas.microsoft.com/office/drawing/2014/main" id="{488DC5B4-F1B0-A432-71E7-F3766E8CCF56}"/>
               </a:ext>
             </a:extLst>
           </p:cNvPr>
@@ -2286,7 +2286,7 @@
           <p:cNvPr id="4" name="文本占位符 3">
             <a:extLst>
               <a:ext uri="{FF2B5EF4-FFF2-40B4-BE49-F238E27FC236}">
-                <a16:creationId xmlns:a16="http://schemas.microsoft.com/office/drawing/2014/main" id="{B7309E53-BDFB-BB15-2C62-44895C6C35AA}"/>
+                <a16:creationId xmlns:a16="http://schemas.microsoft.com/office/drawing/2014/main" id="{2B58D04B-A987-5054-8DF5-3B9A69621FA8}"/>
               </a:ext>
             </a:extLst>
           </p:cNvPr>
@@ -2357,7 +2357,7 @@
           <p:cNvPr id="5" name="日期占位符 4">
             <a:extLst>
               <a:ext uri="{FF2B5EF4-FFF2-40B4-BE49-F238E27FC236}">
-                <a16:creationId xmlns:a16="http://schemas.microsoft.com/office/drawing/2014/main" id="{4765A05F-9AE1-0240-F044-AA823C4DE086}"/>
+                <a16:creationId xmlns:a16="http://schemas.microsoft.com/office/drawing/2014/main" id="{6D362EEF-4C64-B974-D50E-EF222E2639FD}"/>
               </a:ext>
             </a:extLst>
           </p:cNvPr>
@@ -2373,7 +2373,7 @@
           <a:bodyPr/>
           <a:lstStyle/>
           <a:p>
-            <a:fld id="{E8249235-8CD4-4DCC-B524-AF1356795621}" type="datetimeFigureOut">
+            <a:fld id="{93AD9D87-5DA5-4A7A-93A8-A6CD10F4873F}" type="datetimeFigureOut">
               <a:rPr lang="zh-CN" altLang="en-US" smtClean="0"/>
               <a:t>2024/3/10</a:t>
             </a:fld>
@@ -2386,7 +2386,7 @@
           <p:cNvPr id="6" name="页脚占位符 5">
             <a:extLst>
               <a:ext uri="{FF2B5EF4-FFF2-40B4-BE49-F238E27FC236}">
-                <a16:creationId xmlns:a16="http://schemas.microsoft.com/office/drawing/2014/main" id="{054FCD7A-C2A8-8C05-95A5-C625B15E3602}"/>
+                <a16:creationId xmlns:a16="http://schemas.microsoft.com/office/drawing/2014/main" id="{C0D48C17-1140-0789-92F1-301D3E7530E4}"/>
               </a:ext>
             </a:extLst>
           </p:cNvPr>
@@ -2411,7 +2411,7 @@
           <p:cNvPr id="7" name="灯片编号占位符 6">
             <a:extLst>
               <a:ext uri="{FF2B5EF4-FFF2-40B4-BE49-F238E27FC236}">
-                <a16:creationId xmlns:a16="http://schemas.microsoft.com/office/drawing/2014/main" id="{7CAB0338-89D4-CEC7-AF53-ADD96546DBB0}"/>
+                <a16:creationId xmlns:a16="http://schemas.microsoft.com/office/drawing/2014/main" id="{D0D1330C-2757-9432-C95D-6D16C6648029}"/>
               </a:ext>
             </a:extLst>
           </p:cNvPr>
@@ -2427,7 +2427,7 @@
           <a:bodyPr/>
           <a:lstStyle/>
           <a:p>
-            <a:fld id="{04C8F0BA-CC96-45BD-B28C-94149A793ECF}" type="slidenum">
+            <a:fld id="{6D8A4CD3-FB56-4C4F-A6F2-B814401E75ED}" type="slidenum">
               <a:rPr lang="zh-CN" altLang="en-US" smtClean="0"/>
               <a:t>‹#›</a:t>
             </a:fld>
@@ -2438,7 +2438,7 @@
     </p:spTree>
     <p:extLst>
       <p:ext uri="{BB962C8B-B14F-4D97-AF65-F5344CB8AC3E}">
-        <p14:creationId xmlns:p14="http://schemas.microsoft.com/office/powerpoint/2010/main" val="1254139005"/>
+        <p14:creationId xmlns:p14="http://schemas.microsoft.com/office/powerpoint/2010/main" val="989449398"/>
       </p:ext>
     </p:extLst>
   </p:cSld>
@@ -2470,7 +2470,7 @@
           <p:cNvPr id="2" name="标题 1">
             <a:extLst>
               <a:ext uri="{FF2B5EF4-FFF2-40B4-BE49-F238E27FC236}">
-                <a16:creationId xmlns:a16="http://schemas.microsoft.com/office/drawing/2014/main" id="{9D8E05F5-C49B-1B28-C459-41F30B20B8BB}"/>
+                <a16:creationId xmlns:a16="http://schemas.microsoft.com/office/drawing/2014/main" id="{4AD27D13-20C1-1E8B-27F4-AF52081E9FAF}"/>
               </a:ext>
             </a:extLst>
           </p:cNvPr>
@@ -2507,7 +2507,7 @@
           <p:cNvPr id="3" name="图片占位符 2">
             <a:extLst>
               <a:ext uri="{FF2B5EF4-FFF2-40B4-BE49-F238E27FC236}">
-                <a16:creationId xmlns:a16="http://schemas.microsoft.com/office/drawing/2014/main" id="{C255F812-56A3-BB2D-B555-3098C4487863}"/>
+                <a16:creationId xmlns:a16="http://schemas.microsoft.com/office/drawing/2014/main" id="{D7D35038-A6EB-FFD5-CEDD-8420EF785704}"/>
               </a:ext>
             </a:extLst>
           </p:cNvPr>
@@ -2574,7 +2574,7 @@
           <p:cNvPr id="4" name="文本占位符 3">
             <a:extLst>
               <a:ext uri="{FF2B5EF4-FFF2-40B4-BE49-F238E27FC236}">
-                <a16:creationId xmlns:a16="http://schemas.microsoft.com/office/drawing/2014/main" id="{68AA3674-4C26-1E30-E1C6-8318B189AD8C}"/>
+                <a16:creationId xmlns:a16="http://schemas.microsoft.com/office/drawing/2014/main" id="{F38ECDF1-AF3E-D360-967C-A86FB3753C91}"/>
               </a:ext>
             </a:extLst>
           </p:cNvPr>
@@ -2645,7 +2645,7 @@
           <p:cNvPr id="5" name="日期占位符 4">
             <a:extLst>
               <a:ext uri="{FF2B5EF4-FFF2-40B4-BE49-F238E27FC236}">
-                <a16:creationId xmlns:a16="http://schemas.microsoft.com/office/drawing/2014/main" id="{B2D770E4-8512-A4A6-D624-A425FDBE0EE7}"/>
+                <a16:creationId xmlns:a16="http://schemas.microsoft.com/office/drawing/2014/main" id="{EE562533-2AD4-FA47-029A-8796E97CDEE2}"/>
               </a:ext>
             </a:extLst>
           </p:cNvPr>
@@ -2661,7 +2661,7 @@
           <a:bodyPr/>
           <a:lstStyle/>
           <a:p>
-            <a:fld id="{E8249235-8CD4-4DCC-B524-AF1356795621}" type="datetimeFigureOut">
+            <a:fld id="{93AD9D87-5DA5-4A7A-93A8-A6CD10F4873F}" type="datetimeFigureOut">
               <a:rPr lang="zh-CN" altLang="en-US" smtClean="0"/>
               <a:t>2024/3/10</a:t>
             </a:fld>
@@ -2674,7 +2674,7 @@
           <p:cNvPr id="6" name="页脚占位符 5">
             <a:extLst>
               <a:ext uri="{FF2B5EF4-FFF2-40B4-BE49-F238E27FC236}">
-                <a16:creationId xmlns:a16="http://schemas.microsoft.com/office/drawing/2014/main" id="{6724900B-637C-3F2C-F4AE-E48BC3137D4C}"/>
+                <a16:creationId xmlns:a16="http://schemas.microsoft.com/office/drawing/2014/main" id="{F973A452-6EC3-6B18-FBBD-CF57743E76BD}"/>
               </a:ext>
             </a:extLst>
           </p:cNvPr>
@@ -2699,7 +2699,7 @@
           <p:cNvPr id="7" name="灯片编号占位符 6">
             <a:extLst>
               <a:ext uri="{FF2B5EF4-FFF2-40B4-BE49-F238E27FC236}">
-                <a16:creationId xmlns:a16="http://schemas.microsoft.com/office/drawing/2014/main" id="{39AC1DAD-0453-316F-072B-A7F1E720D922}"/>
+                <a16:creationId xmlns:a16="http://schemas.microsoft.com/office/drawing/2014/main" id="{F9BD6D94-E7C7-17A1-344F-564FAD3ED655}"/>
               </a:ext>
             </a:extLst>
           </p:cNvPr>
@@ -2715,7 +2715,7 @@
           <a:bodyPr/>
           <a:lstStyle/>
           <a:p>
-            <a:fld id="{04C8F0BA-CC96-45BD-B28C-94149A793ECF}" type="slidenum">
+            <a:fld id="{6D8A4CD3-FB56-4C4F-A6F2-B814401E75ED}" type="slidenum">
               <a:rPr lang="zh-CN" altLang="en-US" smtClean="0"/>
               <a:t>‹#›</a:t>
             </a:fld>
@@ -2726,7 +2726,7 @@
     </p:spTree>
     <p:extLst>
       <p:ext uri="{BB962C8B-B14F-4D97-AF65-F5344CB8AC3E}">
-        <p14:creationId xmlns:p14="http://schemas.microsoft.com/office/powerpoint/2010/main" val="237784366"/>
+        <p14:creationId xmlns:p14="http://schemas.microsoft.com/office/powerpoint/2010/main" val="3812142703"/>
       </p:ext>
     </p:extLst>
   </p:cSld>
@@ -2763,7 +2763,7 @@
           <p:cNvPr id="2" name="标题占位符 1">
             <a:extLst>
               <a:ext uri="{FF2B5EF4-FFF2-40B4-BE49-F238E27FC236}">
-                <a16:creationId xmlns:a16="http://schemas.microsoft.com/office/drawing/2014/main" id="{7D66899A-9506-FD32-159B-50AF550ACEF4}"/>
+                <a16:creationId xmlns:a16="http://schemas.microsoft.com/office/drawing/2014/main" id="{B7D60128-D068-DB68-F5A2-5C3F4A278325}"/>
               </a:ext>
             </a:extLst>
           </p:cNvPr>
@@ -2801,7 +2801,7 @@
           <p:cNvPr id="3" name="文本占位符 2">
             <a:extLst>
               <a:ext uri="{FF2B5EF4-FFF2-40B4-BE49-F238E27FC236}">
-                <a16:creationId xmlns:a16="http://schemas.microsoft.com/office/drawing/2014/main" id="{8EC4D844-791B-C48F-575A-86BEB3DCD928}"/>
+                <a16:creationId xmlns:a16="http://schemas.microsoft.com/office/drawing/2014/main" id="{AEE3DEA2-166E-C79D-547E-CAAB4174D048}"/>
               </a:ext>
             </a:extLst>
           </p:cNvPr>
@@ -2868,7 +2868,7 @@
           <p:cNvPr id="4" name="日期占位符 3">
             <a:extLst>
               <a:ext uri="{FF2B5EF4-FFF2-40B4-BE49-F238E27FC236}">
-                <a16:creationId xmlns:a16="http://schemas.microsoft.com/office/drawing/2014/main" id="{D1879203-B254-39FF-A893-F1F04857310D}"/>
+                <a16:creationId xmlns:a16="http://schemas.microsoft.com/office/drawing/2014/main" id="{15FDC600-A3FA-6707-B71A-40D4769D1FC6}"/>
               </a:ext>
             </a:extLst>
           </p:cNvPr>
@@ -2902,7 +2902,7 @@
             </a:lvl1pPr>
           </a:lstStyle>
           <a:p>
-            <a:fld id="{E8249235-8CD4-4DCC-B524-AF1356795621}" type="datetimeFigureOut">
+            <a:fld id="{93AD9D87-5DA5-4A7A-93A8-A6CD10F4873F}" type="datetimeFigureOut">
               <a:rPr lang="zh-CN" altLang="en-US" smtClean="0"/>
               <a:t>2024/3/10</a:t>
             </a:fld>
@@ -2915,7 +2915,7 @@
           <p:cNvPr id="5" name="页脚占位符 4">
             <a:extLst>
               <a:ext uri="{FF2B5EF4-FFF2-40B4-BE49-F238E27FC236}">
-                <a16:creationId xmlns:a16="http://schemas.microsoft.com/office/drawing/2014/main" id="{AE4EFB31-6108-05DD-F784-DF199FDBF2D4}"/>
+                <a16:creationId xmlns:a16="http://schemas.microsoft.com/office/drawing/2014/main" id="{4638E065-2E5B-3624-A589-BEB8D5CCC32A}"/>
               </a:ext>
             </a:extLst>
           </p:cNvPr>
@@ -2958,7 +2958,7 @@
           <p:cNvPr id="6" name="灯片编号占位符 5">
             <a:extLst>
               <a:ext uri="{FF2B5EF4-FFF2-40B4-BE49-F238E27FC236}">
-                <a16:creationId xmlns:a16="http://schemas.microsoft.com/office/drawing/2014/main" id="{75F13E59-C01C-B55E-BF95-49EEEC324668}"/>
+                <a16:creationId xmlns:a16="http://schemas.microsoft.com/office/drawing/2014/main" id="{B97B18E0-C09A-55B9-6C0B-008FCE1C2199}"/>
               </a:ext>
             </a:extLst>
           </p:cNvPr>
@@ -2992,7 +2992,7 @@
             </a:lvl1pPr>
           </a:lstStyle>
           <a:p>
-            <a:fld id="{04C8F0BA-CC96-45BD-B28C-94149A793ECF}" type="slidenum">
+            <a:fld id="{6D8A4CD3-FB56-4C4F-A6F2-B814401E75ED}" type="slidenum">
               <a:rPr lang="zh-CN" altLang="en-US" smtClean="0"/>
               <a:t>‹#›</a:t>
             </a:fld>
@@ -3003,7 +3003,7 @@
     </p:spTree>
     <p:extLst>
       <p:ext uri="{BB962C8B-B14F-4D97-AF65-F5344CB8AC3E}">
-        <p14:creationId xmlns:p14="http://schemas.microsoft.com/office/powerpoint/2010/main" val="97241955"/>
+        <p14:creationId xmlns:p14="http://schemas.microsoft.com/office/powerpoint/2010/main" val="2085712190"/>
       </p:ext>
     </p:extLst>
   </p:cSld>
